--- a/문서 관리/참고자료/07. 유스케이스/문서 관리_07. 유스케이스 관리자_수정.pptx
+++ b/문서 관리/참고자료/07. 유스케이스/문서 관리_07. 유스케이스 관리자_수정.pptx
@@ -5886,7 +5886,7 @@
         </p:nvSpPr>
         <p:spPr>
           <a:xfrm>
-            <a:off x="6057751" y="2263769"/>
+            <a:off x="7811493" y="2930962"/>
             <a:ext cx="1278424" cy="490925"/>
           </a:xfrm>
           <a:prstGeom prst="ellipse">
@@ -5953,299 +5953,6 @@
           </a:fontRef>
         </p:style>
       </p:cxnSp>
-      <p:grpSp>
-        <p:nvGrpSpPr>
-          <p:cNvPr id="2" name="그룹 1"/>
-          <p:cNvGrpSpPr/>
-          <p:nvPr/>
-        </p:nvGrpSpPr>
-        <p:grpSpPr>
-          <a:xfrm>
-            <a:off x="333994" y="98467"/>
-            <a:ext cx="3061147" cy="1651855"/>
-            <a:chOff x="2672206" y="143944"/>
-            <a:chExt cx="2739562" cy="1379621"/>
-          </a:xfrm>
-        </p:grpSpPr>
-        <p:sp>
-          <p:nvSpPr>
-            <p:cNvPr id="34" name="직사각형 33"/>
-            <p:cNvSpPr/>
-            <p:nvPr/>
-          </p:nvSpPr>
-          <p:spPr>
-            <a:xfrm>
-              <a:off x="2672206" y="143944"/>
-              <a:ext cx="2739562" cy="1379621"/>
-            </a:xfrm>
-            <a:prstGeom prst="rect">
-              <a:avLst/>
-            </a:prstGeom>
-          </p:spPr>
-          <p:style>
-            <a:lnRef idx="2">
-              <a:schemeClr val="dk1"/>
-            </a:lnRef>
-            <a:fillRef idx="1">
-              <a:schemeClr val="lt1"/>
-            </a:fillRef>
-            <a:effectRef idx="0">
-              <a:schemeClr val="dk1"/>
-            </a:effectRef>
-            <a:fontRef idx="minor">
-              <a:schemeClr val="dk1"/>
-            </a:fontRef>
-          </p:style>
-          <p:txBody>
-            <a:bodyPr rtlCol="0" anchor="ctr"/>
-            <a:lstStyle/>
-            <a:p>
-              <a:pPr algn="ctr"/>
-              <a:endParaRPr lang="ko-KR" altLang="en-US" sz="1100" dirty="0"/>
-            </a:p>
-          </p:txBody>
-        </p:sp>
-        <p:sp>
-          <p:nvSpPr>
-            <p:cNvPr id="37" name="타원 36"/>
-            <p:cNvSpPr/>
-            <p:nvPr/>
-          </p:nvSpPr>
-          <p:spPr>
-            <a:xfrm>
-              <a:off x="2709532" y="1095149"/>
-              <a:ext cx="1149222" cy="382051"/>
-            </a:xfrm>
-            <a:prstGeom prst="ellipse">
-              <a:avLst/>
-            </a:prstGeom>
-          </p:spPr>
-          <p:style>
-            <a:lnRef idx="2">
-              <a:schemeClr val="dk1"/>
-            </a:lnRef>
-            <a:fillRef idx="1">
-              <a:schemeClr val="lt1"/>
-            </a:fillRef>
-            <a:effectRef idx="0">
-              <a:schemeClr val="dk1"/>
-            </a:effectRef>
-            <a:fontRef idx="minor">
-              <a:schemeClr val="dk1"/>
-            </a:fontRef>
-          </p:style>
-          <p:txBody>
-            <a:bodyPr rtlCol="0" anchor="ctr"/>
-            <a:lstStyle/>
-            <a:p>
-              <a:pPr algn="ctr"/>
-              <a:r>
-                <a:rPr lang="ko-KR" altLang="en-US" sz="1100" dirty="0" smtClean="0"/>
-                <a:t>회원 정보수정</a:t>
-              </a:r>
-              <a:endParaRPr lang="ko-KR" altLang="en-US" sz="1100" dirty="0"/>
-            </a:p>
-          </p:txBody>
-        </p:sp>
-        <p:sp>
-          <p:nvSpPr>
-            <p:cNvPr id="38" name="타원 37"/>
-            <p:cNvSpPr/>
-            <p:nvPr/>
-          </p:nvSpPr>
-          <p:spPr>
-            <a:xfrm>
-              <a:off x="4213944" y="357486"/>
-              <a:ext cx="1081844" cy="295570"/>
-            </a:xfrm>
-            <a:prstGeom prst="ellipse">
-              <a:avLst/>
-            </a:prstGeom>
-          </p:spPr>
-          <p:style>
-            <a:lnRef idx="2">
-              <a:schemeClr val="dk1"/>
-            </a:lnRef>
-            <a:fillRef idx="1">
-              <a:schemeClr val="lt1"/>
-            </a:fillRef>
-            <a:effectRef idx="0">
-              <a:schemeClr val="dk1"/>
-            </a:effectRef>
-            <a:fontRef idx="minor">
-              <a:schemeClr val="dk1"/>
-            </a:fontRef>
-          </p:style>
-          <p:txBody>
-            <a:bodyPr rtlCol="0" anchor="ctr"/>
-            <a:lstStyle/>
-            <a:p>
-              <a:pPr algn="ctr"/>
-              <a:r>
-                <a:rPr lang="ko-KR" altLang="en-US" sz="1100" dirty="0" smtClean="0"/>
-                <a:t>회원정보검색</a:t>
-              </a:r>
-              <a:endParaRPr lang="ko-KR" altLang="en-US" sz="1100" dirty="0"/>
-            </a:p>
-          </p:txBody>
-        </p:sp>
-        <p:sp>
-          <p:nvSpPr>
-            <p:cNvPr id="39" name="타원 38"/>
-            <p:cNvSpPr/>
-            <p:nvPr/>
-          </p:nvSpPr>
-          <p:spPr>
-            <a:xfrm>
-              <a:off x="2686390" y="374053"/>
-              <a:ext cx="1067618" cy="283752"/>
-            </a:xfrm>
-            <a:prstGeom prst="ellipse">
-              <a:avLst/>
-            </a:prstGeom>
-          </p:spPr>
-          <p:style>
-            <a:lnRef idx="2">
-              <a:schemeClr val="dk1"/>
-            </a:lnRef>
-            <a:fillRef idx="1">
-              <a:schemeClr val="lt1"/>
-            </a:fillRef>
-            <a:effectRef idx="0">
-              <a:schemeClr val="dk1"/>
-            </a:effectRef>
-            <a:fontRef idx="minor">
-              <a:schemeClr val="dk1"/>
-            </a:fontRef>
-          </p:style>
-          <p:txBody>
-            <a:bodyPr rtlCol="0" anchor="ctr"/>
-            <a:lstStyle/>
-            <a:p>
-              <a:pPr algn="ctr"/>
-              <a:r>
-                <a:rPr lang="ko-KR" altLang="en-US" sz="1100" dirty="0" smtClean="0"/>
-                <a:t>회원정보조회</a:t>
-              </a:r>
-              <a:endParaRPr lang="ko-KR" altLang="en-US" sz="1100" dirty="0"/>
-            </a:p>
-          </p:txBody>
-        </p:sp>
-        <p:sp>
-          <p:nvSpPr>
-            <p:cNvPr id="40" name="TextBox 39"/>
-            <p:cNvSpPr txBox="1"/>
-            <p:nvPr/>
-          </p:nvSpPr>
-          <p:spPr>
-            <a:xfrm>
-              <a:off x="3577466" y="165088"/>
-              <a:ext cx="1348740" cy="276999"/>
-            </a:xfrm>
-            <a:prstGeom prst="rect">
-              <a:avLst/>
-            </a:prstGeom>
-            <a:noFill/>
-          </p:spPr>
-          <p:txBody>
-            <a:bodyPr wrap="square" rtlCol="0">
-              <a:spAutoFit/>
-            </a:bodyPr>
-            <a:lstStyle/>
-            <a:p>
-              <a:r>
-                <a:rPr lang="ko-KR" altLang="en-US" sz="1200" dirty="0" smtClean="0"/>
-                <a:t>회원관리</a:t>
-              </a:r>
-              <a:endParaRPr lang="ko-KR" altLang="en-US" sz="1100" dirty="0"/>
-            </a:p>
-          </p:txBody>
-        </p:sp>
-        <p:sp>
-          <p:nvSpPr>
-            <p:cNvPr id="41" name="타원 40"/>
-            <p:cNvSpPr/>
-            <p:nvPr/>
-          </p:nvSpPr>
-          <p:spPr>
-            <a:xfrm>
-              <a:off x="4055664" y="1078174"/>
-              <a:ext cx="1117084" cy="276207"/>
-            </a:xfrm>
-            <a:prstGeom prst="ellipse">
-              <a:avLst/>
-            </a:prstGeom>
-          </p:spPr>
-          <p:style>
-            <a:lnRef idx="2">
-              <a:schemeClr val="dk1"/>
-            </a:lnRef>
-            <a:fillRef idx="1">
-              <a:schemeClr val="lt1"/>
-            </a:fillRef>
-            <a:effectRef idx="0">
-              <a:schemeClr val="dk1"/>
-            </a:effectRef>
-            <a:fontRef idx="minor">
-              <a:schemeClr val="dk1"/>
-            </a:fontRef>
-          </p:style>
-          <p:txBody>
-            <a:bodyPr rtlCol="0" anchor="ctr"/>
-            <a:lstStyle/>
-            <a:p>
-              <a:pPr algn="ctr"/>
-              <a:r>
-                <a:rPr lang="ko-KR" altLang="en-US" sz="1100" dirty="0" smtClean="0"/>
-                <a:t>이용 제한</a:t>
-              </a:r>
-              <a:endParaRPr lang="ko-KR" altLang="en-US" sz="1100" dirty="0"/>
-            </a:p>
-          </p:txBody>
-        </p:sp>
-        <p:sp>
-          <p:nvSpPr>
-            <p:cNvPr id="42" name="타원 41"/>
-            <p:cNvSpPr/>
-            <p:nvPr/>
-          </p:nvSpPr>
-          <p:spPr>
-            <a:xfrm>
-              <a:off x="2687500" y="705952"/>
-              <a:ext cx="1065398" cy="344828"/>
-            </a:xfrm>
-            <a:prstGeom prst="ellipse">
-              <a:avLst/>
-            </a:prstGeom>
-          </p:spPr>
-          <p:style>
-            <a:lnRef idx="2">
-              <a:schemeClr val="dk1"/>
-            </a:lnRef>
-            <a:fillRef idx="1">
-              <a:schemeClr val="lt1"/>
-            </a:fillRef>
-            <a:effectRef idx="0">
-              <a:schemeClr val="dk1"/>
-            </a:effectRef>
-            <a:fontRef idx="minor">
-              <a:schemeClr val="dk1"/>
-            </a:fontRef>
-          </p:style>
-          <p:txBody>
-            <a:bodyPr rtlCol="0" anchor="ctr"/>
-            <a:lstStyle/>
-            <a:p>
-              <a:pPr algn="ctr"/>
-              <a:r>
-                <a:rPr lang="ko-KR" altLang="en-US" sz="1100" dirty="0" smtClean="0"/>
-                <a:t>신고내역확인</a:t>
-              </a:r>
-              <a:endParaRPr lang="ko-KR" altLang="en-US" sz="1100" dirty="0"/>
-            </a:p>
-          </p:txBody>
-        </p:sp>
-      </p:grpSp>
       <p:cxnSp>
         <p:nvCxnSpPr>
           <p:cNvPr id="50" name="구부러진 연결선 49"/>
@@ -6257,8 +5964,8 @@
         </p:nvCxnSpPr>
         <p:spPr>
           <a:xfrm rot="16200000" flipV="1">
-            <a:off x="3582074" y="32816"/>
-            <a:ext cx="255724" cy="3690735"/>
+            <a:off x="3581782" y="32524"/>
+            <a:ext cx="295974" cy="3651069"/>
           </a:xfrm>
           <a:prstGeom prst="curvedConnector3">
             <a:avLst>
@@ -6295,8 +6002,8 @@
         </p:nvCxnSpPr>
         <p:spPr>
           <a:xfrm rot="10800000" flipV="1">
-            <a:off x="3500302" y="2210077"/>
-            <a:ext cx="1517590" cy="1805859"/>
+            <a:off x="4322854" y="2210078"/>
+            <a:ext cx="695038" cy="1588236"/>
           </a:xfrm>
           <a:prstGeom prst="curvedConnector2">
             <a:avLst/>
@@ -6328,7 +6035,7 @@
         </p:nvGrpSpPr>
         <p:grpSpPr>
           <a:xfrm>
-            <a:off x="2914395" y="4015937"/>
+            <a:off x="3736947" y="3798314"/>
             <a:ext cx="1171813" cy="2565062"/>
             <a:chOff x="2995630" y="3097508"/>
             <a:chExt cx="1171813" cy="2155821"/>
@@ -6452,8 +6159,8 @@
           </p:nvSpPr>
           <p:spPr>
             <a:xfrm>
-              <a:off x="3005679" y="4465165"/>
-              <a:ext cx="1143670" cy="299574"/>
+              <a:off x="3066667" y="4457914"/>
+              <a:ext cx="1070810" cy="299574"/>
             </a:xfrm>
             <a:prstGeom prst="ellipse">
               <a:avLst/>
@@ -6494,8 +6201,8 @@
           </p:nvSpPr>
           <p:spPr>
             <a:xfrm>
-              <a:off x="3027705" y="4076358"/>
-              <a:ext cx="1107663" cy="349269"/>
+              <a:off x="3134812" y="4076358"/>
+              <a:ext cx="947548" cy="283355"/>
             </a:xfrm>
             <a:prstGeom prst="ellipse">
               <a:avLst/>
@@ -6616,13 +6323,16 @@
       <p:cxnSp>
         <p:nvCxnSpPr>
           <p:cNvPr id="71" name="구부러진 연결선 70"/>
-          <p:cNvCxnSpPr/>
+          <p:cNvCxnSpPr>
+            <a:stCxn id="59" idx="6"/>
+            <a:endCxn id="64" idx="1"/>
+          </p:cNvCxnSpPr>
           <p:nvPr/>
         </p:nvCxnSpPr>
         <p:spPr>
-          <a:xfrm>
-            <a:off x="4060852" y="5372143"/>
-            <a:ext cx="3276188" cy="3122"/>
+          <a:xfrm flipV="1">
+            <a:off x="4823677" y="4717142"/>
+            <a:ext cx="2179612" cy="414411"/>
           </a:xfrm>
           <a:prstGeom prst="curvedConnector3">
             <a:avLst>
@@ -6872,8 +6582,8 @@
         </p:nvCxnSpPr>
         <p:spPr>
           <a:xfrm rot="10800000">
-            <a:off x="2887051" y="3448506"/>
-            <a:ext cx="174763" cy="1144842"/>
+            <a:off x="2887051" y="3448507"/>
+            <a:ext cx="997315" cy="927219"/>
           </a:xfrm>
           <a:prstGeom prst="curvedConnector2">
             <a:avLst/>
@@ -6905,7 +6615,7 @@
         </p:nvGrpSpPr>
         <p:grpSpPr>
           <a:xfrm>
-            <a:off x="659318" y="4785833"/>
+            <a:off x="1448376" y="4883599"/>
             <a:ext cx="1309744" cy="1260281"/>
             <a:chOff x="832764" y="4294543"/>
             <a:chExt cx="1309744" cy="1260281"/>
@@ -6957,8 +6667,8 @@
           </p:nvSpPr>
           <p:spPr>
             <a:xfrm>
-              <a:off x="964896" y="4555306"/>
-              <a:ext cx="967860" cy="251872"/>
+              <a:off x="999620" y="4555306"/>
+              <a:ext cx="936775" cy="251872"/>
             </a:xfrm>
             <a:prstGeom prst="ellipse">
               <a:avLst/>
@@ -7071,7 +6781,7 @@
           </p:nvSpPr>
           <p:spPr>
             <a:xfrm>
-              <a:off x="999621" y="5171685"/>
+              <a:off x="1002996" y="5151170"/>
               <a:ext cx="929760" cy="251872"/>
             </a:xfrm>
             <a:prstGeom prst="ellipse">
@@ -7117,12 +6827,12 @@
         </p:nvCxnSpPr>
         <p:spPr>
           <a:xfrm rot="5400000" flipH="1">
-            <a:off x="2233661" y="5126643"/>
-            <a:ext cx="378699" cy="2217642"/>
+            <a:off x="3197161" y="5049967"/>
+            <a:ext cx="63310" cy="2251136"/>
           </a:xfrm>
           <a:prstGeom prst="curvedConnector3">
             <a:avLst>
-              <a:gd name="adj1" fmla="val -60365"/>
+              <a:gd name="adj1" fmla="val -361080"/>
             </a:avLst>
           </a:prstGeom>
           <a:ln>
@@ -7152,7 +6862,7 @@
         </p:nvGrpSpPr>
         <p:grpSpPr>
           <a:xfrm>
-            <a:off x="4777884" y="5509868"/>
+            <a:off x="5530133" y="5513740"/>
             <a:ext cx="1744868" cy="1246793"/>
             <a:chOff x="469280" y="2878456"/>
             <a:chExt cx="1521899" cy="1246793"/>
@@ -7364,8 +7074,8 @@
         </p:nvCxnSpPr>
         <p:spPr>
           <a:xfrm>
-            <a:off x="4068114" y="5821438"/>
-            <a:ext cx="709770" cy="311827"/>
+            <a:off x="4878794" y="5595188"/>
+            <a:ext cx="651339" cy="541949"/>
           </a:xfrm>
           <a:prstGeom prst="curvedConnector3">
             <a:avLst>
@@ -7646,18 +7356,20 @@
         <p:nvCxnSpPr>
           <p:cNvPr id="127" name="구부러진 연결선 126"/>
           <p:cNvCxnSpPr>
-            <a:stCxn id="28" idx="7"/>
+            <a:stCxn id="28" idx="6"/>
             <a:endCxn id="119" idx="1"/>
           </p:cNvCxnSpPr>
           <p:nvPr/>
         </p:nvCxnSpPr>
         <p:spPr>
-          <a:xfrm rot="5400000" flipH="1" flipV="1">
-            <a:off x="6669135" y="522538"/>
-            <a:ext cx="809442" cy="2277095"/>
-          </a:xfrm>
-          <a:prstGeom prst="curvedConnector2">
-            <a:avLst/>
+          <a:xfrm flipV="1">
+            <a:off x="6092713" y="1256364"/>
+            <a:ext cx="2119691" cy="953714"/>
+          </a:xfrm>
+          <a:prstGeom prst="curvedConnector3">
+            <a:avLst>
+              <a:gd name="adj1" fmla="val 50000"/>
+            </a:avLst>
           </a:prstGeom>
           <a:ln>
             <a:tailEnd type="triangle"/>
@@ -7681,13 +7393,15 @@
       <p:cxnSp>
         <p:nvCxnSpPr>
           <p:cNvPr id="133" name="구부러진 연결선 132"/>
-          <p:cNvCxnSpPr/>
+          <p:cNvCxnSpPr>
+            <a:endCxn id="29" idx="2"/>
+          </p:cNvCxnSpPr>
           <p:nvPr/>
         </p:nvCxnSpPr>
         <p:spPr>
-          <a:xfrm rot="5400000" flipH="1" flipV="1">
-            <a:off x="6304675" y="2927755"/>
-            <a:ext cx="631843" cy="269187"/>
+          <a:xfrm flipV="1">
+            <a:off x="6425333" y="3176425"/>
+            <a:ext cx="1386160" cy="371564"/>
           </a:xfrm>
           <a:prstGeom prst="curvedConnector3">
             <a:avLst/>
@@ -8275,7 +7989,7 @@
         </p:nvGrpSpPr>
         <p:grpSpPr>
           <a:xfrm>
-            <a:off x="7330321" y="4741002"/>
+            <a:off x="7003289" y="4066633"/>
             <a:ext cx="1579790" cy="1301018"/>
             <a:chOff x="4853911" y="4247116"/>
             <a:chExt cx="1579790" cy="1301018"/>
@@ -8957,7 +8671,7 @@
         </p:nvGrpSpPr>
         <p:grpSpPr>
           <a:xfrm>
-            <a:off x="4314758" y="53050"/>
+            <a:off x="4554999" y="152749"/>
             <a:ext cx="2260153" cy="1496662"/>
             <a:chOff x="1758788" y="1744036"/>
             <a:chExt cx="2097310" cy="1246793"/>
@@ -9037,7 +8751,15 @@
               <a:pPr algn="ctr"/>
               <a:r>
                 <a:rPr lang="ko-KR" altLang="en-US" sz="1100" dirty="0" smtClean="0"/>
-                <a:t>이용제한 가능 회원 조회</a:t>
+                <a:t>이용제한 가능 </a:t>
+              </a:r>
+              <a:endParaRPr lang="en-US" altLang="ko-KR" sz="1100" dirty="0" smtClean="0"/>
+            </a:p>
+            <a:p>
+              <a:pPr algn="ctr"/>
+              <a:r>
+                <a:rPr lang="ko-KR" altLang="en-US" sz="1100" dirty="0" smtClean="0"/>
+                <a:t>회원 조회</a:t>
               </a:r>
               <a:endParaRPr lang="ko-KR" altLang="en-US" sz="1100" dirty="0"/>
             </a:p>
@@ -9071,11 +8793,7 @@
               </a:r>
               <a:r>
                 <a:rPr lang="ko-KR" altLang="en-US" sz="1100" dirty="0" smtClean="0"/>
-                <a:t> </a:t>
-              </a:r>
-              <a:r>
-                <a:rPr lang="ko-KR" altLang="en-US" sz="1100" dirty="0" smtClean="0"/>
-                <a:t>관리</a:t>
+                <a:t> 관리</a:t>
               </a:r>
               <a:endParaRPr lang="ko-KR" altLang="en-US" sz="1100" dirty="0"/>
             </a:p>
@@ -9117,7 +8835,15 @@
               <a:pPr algn="ctr"/>
               <a:r>
                 <a:rPr lang="ko-KR" altLang="en-US" sz="1100" dirty="0" smtClean="0"/>
-                <a:t>이용제한중인 회원 조회</a:t>
+                <a:t>이용제한중인 </a:t>
+              </a:r>
+              <a:endParaRPr lang="en-US" altLang="ko-KR" sz="1100" dirty="0" smtClean="0"/>
+            </a:p>
+            <a:p>
+              <a:pPr algn="ctr"/>
+              <a:r>
+                <a:rPr lang="ko-KR" altLang="en-US" sz="1100" dirty="0" smtClean="0"/>
+                <a:t>회원 조회</a:t>
               </a:r>
               <a:endParaRPr lang="ko-KR" altLang="en-US" sz="1100" dirty="0"/>
             </a:p>
@@ -9131,8 +8857,8 @@
           </p:nvSpPr>
           <p:spPr>
             <a:xfrm>
-              <a:off x="2026054" y="2609791"/>
-              <a:ext cx="1580697" cy="317730"/>
+              <a:off x="2015886" y="2595735"/>
+              <a:ext cx="1574264" cy="317730"/>
             </a:xfrm>
             <a:prstGeom prst="ellipse">
               <a:avLst/>
@@ -9158,8 +8884,12 @@
             <a:p>
               <a:pPr algn="ctr"/>
               <a:r>
-                <a:rPr lang="ko-KR" altLang="en-US" sz="1100" smtClean="0"/>
-                <a:t>회원 이용제한 부여</a:t>
+                <a:rPr lang="ko-KR" altLang="en-US" sz="1100" dirty="0" smtClean="0"/>
+                <a:t>회원이용제한 </a:t>
+              </a:r>
+              <a:r>
+                <a:rPr lang="ko-KR" altLang="en-US" sz="1100" dirty="0" smtClean="0"/>
+                <a:t>부여</a:t>
               </a:r>
               <a:endParaRPr lang="ko-KR" altLang="en-US" sz="1100" dirty="0"/>
             </a:p>
@@ -9174,7 +8904,7 @@
         </p:nvGrpSpPr>
         <p:grpSpPr>
           <a:xfrm>
-            <a:off x="190201" y="2179552"/>
+            <a:off x="198053" y="2160111"/>
             <a:ext cx="1869114" cy="1875631"/>
             <a:chOff x="379632" y="2444931"/>
             <a:chExt cx="1869114" cy="1374837"/>
@@ -9246,11 +8976,7 @@
               </a:r>
               <a:r>
                 <a:rPr lang="ko-KR" altLang="en-US" sz="1100" dirty="0" smtClean="0"/>
-                <a:t> </a:t>
-              </a:r>
-              <a:r>
-                <a:rPr lang="ko-KR" altLang="en-US" sz="1100" dirty="0" smtClean="0"/>
-                <a:t>관리</a:t>
+                <a:t> 관리</a:t>
               </a:r>
               <a:endParaRPr lang="ko-KR" altLang="en-US" sz="1100" dirty="0"/>
             </a:p>
@@ -9265,7 +8991,7 @@
           <p:spPr>
             <a:xfrm>
               <a:off x="513316" y="2716702"/>
-              <a:ext cx="1619928" cy="284676"/>
+              <a:ext cx="1601135" cy="284676"/>
             </a:xfrm>
             <a:prstGeom prst="ellipse">
               <a:avLst/>
@@ -9314,8 +9040,8 @@
           </p:nvSpPr>
           <p:spPr>
             <a:xfrm>
-              <a:off x="523425" y="3055937"/>
-              <a:ext cx="1514429" cy="294310"/>
+              <a:off x="513316" y="3050928"/>
+              <a:ext cx="1598165" cy="294310"/>
             </a:xfrm>
             <a:prstGeom prst="ellipse">
               <a:avLst/>
@@ -9360,8 +9086,8 @@
         </p:nvCxnSpPr>
         <p:spPr>
           <a:xfrm flipV="1">
-            <a:off x="3128064" y="801381"/>
-            <a:ext cx="1186694" cy="581018"/>
+            <a:off x="3222077" y="901080"/>
+            <a:ext cx="1332922" cy="499991"/>
           </a:xfrm>
           <a:prstGeom prst="curvedConnector3">
             <a:avLst/>
@@ -9395,8 +9121,8 @@
         </p:nvCxnSpPr>
         <p:spPr>
           <a:xfrm rot="10800000">
-            <a:off x="1124758" y="4055183"/>
-            <a:ext cx="1998672" cy="735774"/>
+            <a:off x="1132611" y="4035743"/>
+            <a:ext cx="2713191" cy="691013"/>
           </a:xfrm>
           <a:prstGeom prst="curvedConnector2">
             <a:avLst/>
@@ -9428,8 +9154,8 @@
         </p:nvSpPr>
         <p:spPr>
           <a:xfrm>
-            <a:off x="275162" y="3475152"/>
-            <a:ext cx="1717374" cy="388371"/>
+            <a:off x="331737" y="3476364"/>
+            <a:ext cx="1596796" cy="388371"/>
           </a:xfrm>
           <a:prstGeom prst="ellipse">
             <a:avLst/>
@@ -9456,62 +9182,378 @@
             <a:pPr algn="ctr"/>
             <a:r>
               <a:rPr lang="ko-KR" altLang="en-US" sz="1100" dirty="0" smtClean="0"/>
-              <a:t> 상담 현황 제공</a:t>
+              <a:t> </a:t>
+            </a:r>
+            <a:r>
+              <a:rPr lang="ko-KR" altLang="en-US" sz="1100" dirty="0" err="1" smtClean="0"/>
+              <a:t>상담현황</a:t>
+            </a:r>
+            <a:r>
+              <a:rPr lang="ko-KR" altLang="en-US" sz="1100" dirty="0" smtClean="0"/>
+              <a:t> 제공</a:t>
             </a:r>
             <a:endParaRPr lang="ko-KR" altLang="en-US" sz="1100" dirty="0"/>
           </a:p>
         </p:txBody>
       </p:sp>
-      <p:sp>
-        <p:nvSpPr>
-          <p:cNvPr id="132" name="타원 131"/>
-          <p:cNvSpPr/>
+      <p:grpSp>
+        <p:nvGrpSpPr>
+          <p:cNvPr id="12" name="그룹 11"/>
+          <p:cNvGrpSpPr/>
           <p:nvPr/>
-        </p:nvSpPr>
-        <p:spPr>
-          <a:xfrm>
-            <a:off x="1745969" y="741180"/>
-            <a:ext cx="1619928" cy="388371"/>
-          </a:xfrm>
-          <a:prstGeom prst="ellipse">
-            <a:avLst/>
-          </a:prstGeom>
-        </p:spPr>
-        <p:style>
-          <a:lnRef idx="2">
-            <a:schemeClr val="dk1"/>
-          </a:lnRef>
-          <a:fillRef idx="1">
-            <a:schemeClr val="lt1"/>
-          </a:fillRef>
-          <a:effectRef idx="0">
-            <a:schemeClr val="dk1"/>
-          </a:effectRef>
-          <a:fontRef idx="minor">
-            <a:schemeClr val="dk1"/>
-          </a:fontRef>
-        </p:style>
-        <p:txBody>
-          <a:bodyPr rtlCol="0" anchor="ctr"/>
-          <a:lstStyle/>
-          <a:p>
-            <a:pPr algn="ctr"/>
-            <a:r>
-              <a:rPr lang="ko-KR" altLang="en-US" sz="1100" dirty="0" smtClean="0"/>
-              <a:t>가입</a:t>
-            </a:r>
-            <a:r>
-              <a:rPr lang="en-US" altLang="ko-KR" sz="1100" dirty="0" smtClean="0"/>
-              <a:t>/</a:t>
-            </a:r>
-            <a:r>
-              <a:rPr lang="ko-KR" altLang="en-US" sz="1100" dirty="0" smtClean="0"/>
-              <a:t>탈퇴 회원 현황 조회</a:t>
-            </a:r>
-            <a:endParaRPr lang="ko-KR" altLang="en-US" sz="1100" dirty="0"/>
-          </a:p>
-        </p:txBody>
-      </p:sp>
+        </p:nvGrpSpPr>
+        <p:grpSpPr>
+          <a:xfrm>
+            <a:off x="373660" y="58217"/>
+            <a:ext cx="3061147" cy="1651855"/>
+            <a:chOff x="351808" y="90467"/>
+            <a:chExt cx="3061147" cy="1651855"/>
+          </a:xfrm>
+        </p:grpSpPr>
+        <p:grpSp>
+          <p:nvGrpSpPr>
+            <p:cNvPr id="2" name="그룹 1"/>
+            <p:cNvGrpSpPr/>
+            <p:nvPr/>
+          </p:nvGrpSpPr>
+          <p:grpSpPr>
+            <a:xfrm>
+              <a:off x="351808" y="90467"/>
+              <a:ext cx="3061147" cy="1651855"/>
+              <a:chOff x="2672206" y="143944"/>
+              <a:chExt cx="2739562" cy="1379621"/>
+            </a:xfrm>
+          </p:grpSpPr>
+          <p:sp>
+            <p:nvSpPr>
+              <p:cNvPr id="34" name="직사각형 33"/>
+              <p:cNvSpPr/>
+              <p:nvPr/>
+            </p:nvSpPr>
+            <p:spPr>
+              <a:xfrm>
+                <a:off x="2672206" y="143944"/>
+                <a:ext cx="2739562" cy="1379621"/>
+              </a:xfrm>
+              <a:prstGeom prst="rect">
+                <a:avLst/>
+              </a:prstGeom>
+            </p:spPr>
+            <p:style>
+              <a:lnRef idx="2">
+                <a:schemeClr val="dk1"/>
+              </a:lnRef>
+              <a:fillRef idx="1">
+                <a:schemeClr val="lt1"/>
+              </a:fillRef>
+              <a:effectRef idx="0">
+                <a:schemeClr val="dk1"/>
+              </a:effectRef>
+              <a:fontRef idx="minor">
+                <a:schemeClr val="dk1"/>
+              </a:fontRef>
+            </p:style>
+            <p:txBody>
+              <a:bodyPr rtlCol="0" anchor="ctr"/>
+              <a:lstStyle/>
+              <a:p>
+                <a:pPr algn="ctr"/>
+                <a:endParaRPr lang="ko-KR" altLang="en-US" sz="1100" dirty="0"/>
+              </a:p>
+            </p:txBody>
+          </p:sp>
+          <p:sp>
+            <p:nvSpPr>
+              <p:cNvPr id="37" name="타원 36"/>
+              <p:cNvSpPr/>
+              <p:nvPr/>
+            </p:nvSpPr>
+            <p:spPr>
+              <a:xfrm>
+                <a:off x="2709532" y="1095149"/>
+                <a:ext cx="1054996" cy="308443"/>
+              </a:xfrm>
+              <a:prstGeom prst="ellipse">
+                <a:avLst/>
+              </a:prstGeom>
+            </p:spPr>
+            <p:style>
+              <a:lnRef idx="2">
+                <a:schemeClr val="dk1"/>
+              </a:lnRef>
+              <a:fillRef idx="1">
+                <a:schemeClr val="lt1"/>
+              </a:fillRef>
+              <a:effectRef idx="0">
+                <a:schemeClr val="dk1"/>
+              </a:effectRef>
+              <a:fontRef idx="minor">
+                <a:schemeClr val="dk1"/>
+              </a:fontRef>
+            </p:style>
+            <p:txBody>
+              <a:bodyPr rtlCol="0" anchor="ctr"/>
+              <a:lstStyle/>
+              <a:p>
+                <a:pPr algn="ctr"/>
+                <a:r>
+                  <a:rPr lang="ko-KR" altLang="en-US" sz="1100" dirty="0" smtClean="0"/>
+                  <a:t>회원 정보수정</a:t>
+                </a:r>
+                <a:endParaRPr lang="ko-KR" altLang="en-US" sz="1100" dirty="0"/>
+              </a:p>
+            </p:txBody>
+          </p:sp>
+          <p:sp>
+            <p:nvSpPr>
+              <p:cNvPr id="38" name="타원 37"/>
+              <p:cNvSpPr/>
+              <p:nvPr/>
+            </p:nvSpPr>
+            <p:spPr>
+              <a:xfrm>
+                <a:off x="4213944" y="357486"/>
+                <a:ext cx="1081844" cy="295570"/>
+              </a:xfrm>
+              <a:prstGeom prst="ellipse">
+                <a:avLst/>
+              </a:prstGeom>
+            </p:spPr>
+            <p:style>
+              <a:lnRef idx="2">
+                <a:schemeClr val="dk1"/>
+              </a:lnRef>
+              <a:fillRef idx="1">
+                <a:schemeClr val="lt1"/>
+              </a:fillRef>
+              <a:effectRef idx="0">
+                <a:schemeClr val="dk1"/>
+              </a:effectRef>
+              <a:fontRef idx="minor">
+                <a:schemeClr val="dk1"/>
+              </a:fontRef>
+            </p:style>
+            <p:txBody>
+              <a:bodyPr rtlCol="0" anchor="ctr"/>
+              <a:lstStyle/>
+              <a:p>
+                <a:pPr algn="ctr"/>
+                <a:r>
+                  <a:rPr lang="ko-KR" altLang="en-US" sz="1100" dirty="0" smtClean="0"/>
+                  <a:t>회원정보검색</a:t>
+                </a:r>
+                <a:endParaRPr lang="ko-KR" altLang="en-US" sz="1100" dirty="0"/>
+              </a:p>
+            </p:txBody>
+          </p:sp>
+          <p:sp>
+            <p:nvSpPr>
+              <p:cNvPr id="39" name="타원 38"/>
+              <p:cNvSpPr/>
+              <p:nvPr/>
+            </p:nvSpPr>
+            <p:spPr>
+              <a:xfrm>
+                <a:off x="2709067" y="403593"/>
+                <a:ext cx="1067618" cy="283752"/>
+              </a:xfrm>
+              <a:prstGeom prst="ellipse">
+                <a:avLst/>
+              </a:prstGeom>
+            </p:spPr>
+            <p:style>
+              <a:lnRef idx="2">
+                <a:schemeClr val="dk1"/>
+              </a:lnRef>
+              <a:fillRef idx="1">
+                <a:schemeClr val="lt1"/>
+              </a:fillRef>
+              <a:effectRef idx="0">
+                <a:schemeClr val="dk1"/>
+              </a:effectRef>
+              <a:fontRef idx="minor">
+                <a:schemeClr val="dk1"/>
+              </a:fontRef>
+            </p:style>
+            <p:txBody>
+              <a:bodyPr rtlCol="0" anchor="ctr"/>
+              <a:lstStyle/>
+              <a:p>
+                <a:pPr algn="ctr"/>
+                <a:r>
+                  <a:rPr lang="ko-KR" altLang="en-US" sz="1100" dirty="0" smtClean="0"/>
+                  <a:t>회원정보조회</a:t>
+                </a:r>
+                <a:endParaRPr lang="ko-KR" altLang="en-US" sz="1100" dirty="0"/>
+              </a:p>
+            </p:txBody>
+          </p:sp>
+          <p:sp>
+            <p:nvSpPr>
+              <p:cNvPr id="40" name="TextBox 39"/>
+              <p:cNvSpPr txBox="1"/>
+              <p:nvPr/>
+            </p:nvSpPr>
+            <p:spPr>
+              <a:xfrm>
+                <a:off x="3577466" y="165088"/>
+                <a:ext cx="1348740" cy="276999"/>
+              </a:xfrm>
+              <a:prstGeom prst="rect">
+                <a:avLst/>
+              </a:prstGeom>
+              <a:noFill/>
+            </p:spPr>
+            <p:txBody>
+              <a:bodyPr wrap="square" rtlCol="0">
+                <a:spAutoFit/>
+              </a:bodyPr>
+              <a:lstStyle/>
+              <a:p>
+                <a:r>
+                  <a:rPr lang="ko-KR" altLang="en-US" sz="1200" dirty="0" smtClean="0"/>
+                  <a:t>회원관리</a:t>
+                </a:r>
+                <a:endParaRPr lang="ko-KR" altLang="en-US" sz="1100" dirty="0"/>
+              </a:p>
+            </p:txBody>
+          </p:sp>
+          <p:sp>
+            <p:nvSpPr>
+              <p:cNvPr id="41" name="타원 40"/>
+              <p:cNvSpPr/>
+              <p:nvPr/>
+            </p:nvSpPr>
+            <p:spPr>
+              <a:xfrm>
+                <a:off x="4104302" y="1127385"/>
+                <a:ext cx="1117084" cy="276207"/>
+              </a:xfrm>
+              <a:prstGeom prst="ellipse">
+                <a:avLst/>
+              </a:prstGeom>
+            </p:spPr>
+            <p:style>
+              <a:lnRef idx="2">
+                <a:schemeClr val="dk1"/>
+              </a:lnRef>
+              <a:fillRef idx="1">
+                <a:schemeClr val="lt1"/>
+              </a:fillRef>
+              <a:effectRef idx="0">
+                <a:schemeClr val="dk1"/>
+              </a:effectRef>
+              <a:fontRef idx="minor">
+                <a:schemeClr val="dk1"/>
+              </a:fontRef>
+            </p:style>
+            <p:txBody>
+              <a:bodyPr rtlCol="0" anchor="ctr"/>
+              <a:lstStyle/>
+              <a:p>
+                <a:pPr algn="ctr"/>
+                <a:r>
+                  <a:rPr lang="ko-KR" altLang="en-US" sz="1100" dirty="0" smtClean="0"/>
+                  <a:t>이용 제한</a:t>
+                </a:r>
+                <a:endParaRPr lang="ko-KR" altLang="en-US" sz="1100" dirty="0"/>
+              </a:p>
+            </p:txBody>
+          </p:sp>
+          <p:sp>
+            <p:nvSpPr>
+              <p:cNvPr id="42" name="타원 41"/>
+              <p:cNvSpPr/>
+              <p:nvPr/>
+            </p:nvSpPr>
+            <p:spPr>
+              <a:xfrm>
+                <a:off x="2714578" y="718428"/>
+                <a:ext cx="1065398" cy="304022"/>
+              </a:xfrm>
+              <a:prstGeom prst="ellipse">
+                <a:avLst/>
+              </a:prstGeom>
+            </p:spPr>
+            <p:style>
+              <a:lnRef idx="2">
+                <a:schemeClr val="dk1"/>
+              </a:lnRef>
+              <a:fillRef idx="1">
+                <a:schemeClr val="lt1"/>
+              </a:fillRef>
+              <a:effectRef idx="0">
+                <a:schemeClr val="dk1"/>
+              </a:effectRef>
+              <a:fontRef idx="minor">
+                <a:schemeClr val="dk1"/>
+              </a:fontRef>
+            </p:style>
+            <p:txBody>
+              <a:bodyPr rtlCol="0" anchor="ctr"/>
+              <a:lstStyle/>
+              <a:p>
+                <a:pPr algn="ctr"/>
+                <a:r>
+                  <a:rPr lang="ko-KR" altLang="en-US" sz="1100" dirty="0" smtClean="0"/>
+                  <a:t>신고내역확인</a:t>
+                </a:r>
+                <a:endParaRPr lang="ko-KR" altLang="en-US" sz="1100" dirty="0"/>
+              </a:p>
+            </p:txBody>
+          </p:sp>
+        </p:grpSp>
+        <p:sp>
+          <p:nvSpPr>
+            <p:cNvPr id="132" name="타원 131"/>
+            <p:cNvSpPr/>
+            <p:nvPr/>
+          </p:nvSpPr>
+          <p:spPr>
+            <a:xfrm>
+              <a:off x="1725213" y="780162"/>
+              <a:ext cx="1595855" cy="388371"/>
+            </a:xfrm>
+            <a:prstGeom prst="ellipse">
+              <a:avLst/>
+            </a:prstGeom>
+          </p:spPr>
+          <p:style>
+            <a:lnRef idx="2">
+              <a:schemeClr val="dk1"/>
+            </a:lnRef>
+            <a:fillRef idx="1">
+              <a:schemeClr val="lt1"/>
+            </a:fillRef>
+            <a:effectRef idx="0">
+              <a:schemeClr val="dk1"/>
+            </a:effectRef>
+            <a:fontRef idx="minor">
+              <a:schemeClr val="dk1"/>
+            </a:fontRef>
+          </p:style>
+          <p:txBody>
+            <a:bodyPr rtlCol="0" anchor="ctr"/>
+            <a:lstStyle/>
+            <a:p>
+              <a:pPr algn="ctr"/>
+              <a:r>
+                <a:rPr lang="ko-KR" altLang="en-US" sz="1100" dirty="0" smtClean="0"/>
+                <a:t>가입</a:t>
+              </a:r>
+              <a:r>
+                <a:rPr lang="en-US" altLang="ko-KR" sz="1100" dirty="0" smtClean="0"/>
+                <a:t>/</a:t>
+              </a:r>
+              <a:r>
+                <a:rPr lang="ko-KR" altLang="en-US" sz="1100" dirty="0" smtClean="0"/>
+                <a:t>탈퇴 회원 현황 조회</a:t>
+              </a:r>
+              <a:endParaRPr lang="ko-KR" altLang="en-US" sz="1100" dirty="0"/>
+            </a:p>
+          </p:txBody>
+        </p:sp>
+      </p:grpSp>
     </p:spTree>
     <p:extLst>
       <p:ext uri="{BB962C8B-B14F-4D97-AF65-F5344CB8AC3E}">
